--- a/projects/演示文稿1.pptx
+++ b/projects/演示文稿1.pptx
@@ -106,6 +106,11 @@
       </a:defRPr>
     </a:lvl9pPr>
   </p:defaultTextStyle>
+  <p:extLst>
+    <p:ext uri="{EFAFB233-063F-42B5-8137-9DF3F51BA10A}">
+      <p15:sldGuideLst xmlns:p15="http://schemas.microsoft.com/office/powerpoint/2012/main"/>
+    </p:ext>
+  </p:extLst>
 </p:presentation>
 </file>
 
@@ -256,7 +261,7 @@
           <a:p>
             <a:fld id="{B1834E40-A68F-4A36-A988-E65EE9499080}" type="datetimeFigureOut">
               <a:rPr lang="zh-CN" altLang="en-US" smtClean="0"/>
-              <a:t>2023/8/12</a:t>
+              <a:t>2023/8/16</a:t>
             </a:fld>
             <a:endParaRPr lang="zh-CN" altLang="en-US"/>
           </a:p>
@@ -454,7 +459,7 @@
           <a:p>
             <a:fld id="{B1834E40-A68F-4A36-A988-E65EE9499080}" type="datetimeFigureOut">
               <a:rPr lang="zh-CN" altLang="en-US" smtClean="0"/>
-              <a:t>2023/8/12</a:t>
+              <a:t>2023/8/16</a:t>
             </a:fld>
             <a:endParaRPr lang="zh-CN" altLang="en-US"/>
           </a:p>
@@ -662,7 +667,7 @@
           <a:p>
             <a:fld id="{B1834E40-A68F-4A36-A988-E65EE9499080}" type="datetimeFigureOut">
               <a:rPr lang="zh-CN" altLang="en-US" smtClean="0"/>
-              <a:t>2023/8/12</a:t>
+              <a:t>2023/8/16</a:t>
             </a:fld>
             <a:endParaRPr lang="zh-CN" altLang="en-US"/>
           </a:p>
@@ -860,7 +865,7 @@
           <a:p>
             <a:fld id="{B1834E40-A68F-4A36-A988-E65EE9499080}" type="datetimeFigureOut">
               <a:rPr lang="zh-CN" altLang="en-US" smtClean="0"/>
-              <a:t>2023/8/12</a:t>
+              <a:t>2023/8/16</a:t>
             </a:fld>
             <a:endParaRPr lang="zh-CN" altLang="en-US"/>
           </a:p>
@@ -1135,7 +1140,7 @@
           <a:p>
             <a:fld id="{B1834E40-A68F-4A36-A988-E65EE9499080}" type="datetimeFigureOut">
               <a:rPr lang="zh-CN" altLang="en-US" smtClean="0"/>
-              <a:t>2023/8/12</a:t>
+              <a:t>2023/8/16</a:t>
             </a:fld>
             <a:endParaRPr lang="zh-CN" altLang="en-US"/>
           </a:p>
@@ -1400,7 +1405,7 @@
           <a:p>
             <a:fld id="{B1834E40-A68F-4A36-A988-E65EE9499080}" type="datetimeFigureOut">
               <a:rPr lang="zh-CN" altLang="en-US" smtClean="0"/>
-              <a:t>2023/8/12</a:t>
+              <a:t>2023/8/16</a:t>
             </a:fld>
             <a:endParaRPr lang="zh-CN" altLang="en-US"/>
           </a:p>
@@ -1812,7 +1817,7 @@
           <a:p>
             <a:fld id="{B1834E40-A68F-4A36-A988-E65EE9499080}" type="datetimeFigureOut">
               <a:rPr lang="zh-CN" altLang="en-US" smtClean="0"/>
-              <a:t>2023/8/12</a:t>
+              <a:t>2023/8/16</a:t>
             </a:fld>
             <a:endParaRPr lang="zh-CN" altLang="en-US"/>
           </a:p>
@@ -1953,7 +1958,7 @@
           <a:p>
             <a:fld id="{B1834E40-A68F-4A36-A988-E65EE9499080}" type="datetimeFigureOut">
               <a:rPr lang="zh-CN" altLang="en-US" smtClean="0"/>
-              <a:t>2023/8/12</a:t>
+              <a:t>2023/8/16</a:t>
             </a:fld>
             <a:endParaRPr lang="zh-CN" altLang="en-US"/>
           </a:p>
@@ -2066,7 +2071,7 @@
           <a:p>
             <a:fld id="{B1834E40-A68F-4A36-A988-E65EE9499080}" type="datetimeFigureOut">
               <a:rPr lang="zh-CN" altLang="en-US" smtClean="0"/>
-              <a:t>2023/8/12</a:t>
+              <a:t>2023/8/16</a:t>
             </a:fld>
             <a:endParaRPr lang="zh-CN" altLang="en-US"/>
           </a:p>
@@ -2377,7 +2382,7 @@
           <a:p>
             <a:fld id="{B1834E40-A68F-4A36-A988-E65EE9499080}" type="datetimeFigureOut">
               <a:rPr lang="zh-CN" altLang="en-US" smtClean="0"/>
-              <a:t>2023/8/12</a:t>
+              <a:t>2023/8/16</a:t>
             </a:fld>
             <a:endParaRPr lang="zh-CN" altLang="en-US"/>
           </a:p>
@@ -2665,7 +2670,7 @@
           <a:p>
             <a:fld id="{B1834E40-A68F-4A36-A988-E65EE9499080}" type="datetimeFigureOut">
               <a:rPr lang="zh-CN" altLang="en-US" smtClean="0"/>
-              <a:t>2023/8/12</a:t>
+              <a:t>2023/8/16</a:t>
             </a:fld>
             <a:endParaRPr lang="zh-CN" altLang="en-US"/>
           </a:p>
@@ -2906,7 +2911,7 @@
           <a:p>
             <a:fld id="{B1834E40-A68F-4A36-A988-E65EE9499080}" type="datetimeFigureOut">
               <a:rPr lang="zh-CN" altLang="en-US" smtClean="0"/>
-              <a:t>2023/8/12</a:t>
+              <a:t>2023/8/16</a:t>
             </a:fld>
             <a:endParaRPr lang="zh-CN" altLang="en-US"/>
           </a:p>
@@ -3997,13 +4002,13 @@
         </p:nvPicPr>
         <p:blipFill rotWithShape="1">
           <a:blip r:embed="rId2"/>
-          <a:srcRect l="4712" r="40213"/>
+          <a:srcRect l="4712" r="6489"/>
           <a:stretch/>
         </p:blipFill>
         <p:spPr>
           <a:xfrm>
-            <a:off x="1756834" y="1646766"/>
-            <a:ext cx="3090333" cy="3492233"/>
+            <a:off x="2290756" y="2928092"/>
+            <a:ext cx="4982634" cy="3492233"/>
           </a:xfrm>
           <a:prstGeom prst="rect">
             <a:avLst/>
@@ -4031,7 +4036,7 @@
         </p:blipFill>
         <p:spPr>
           <a:xfrm>
-            <a:off x="1756834" y="2298700"/>
+            <a:off x="7807312" y="2928092"/>
             <a:ext cx="4982634" cy="2840299"/>
           </a:xfrm>
           <a:prstGeom prst="rect">
@@ -4061,13 +4066,13 @@
               </a:ext>
             </a:extLst>
           </a:blip>
-          <a:srcRect r="50049"/>
+          <a:srcRect t="50312" r="-32"/>
           <a:stretch/>
         </p:blipFill>
         <p:spPr>
           <a:xfrm>
-            <a:off x="-393699" y="1643787"/>
-            <a:ext cx="2150533" cy="3495212"/>
+            <a:off x="2290756" y="918759"/>
+            <a:ext cx="4982634" cy="2009334"/>
           </a:xfrm>
           <a:prstGeom prst="rect">
             <a:avLst/>

--- a/projects/演示文稿1.pptx
+++ b/projects/演示文稿1.pptx
@@ -4071,8 +4071,43 @@
         </p:blipFill>
         <p:spPr>
           <a:xfrm>
-            <a:off x="2290756" y="918759"/>
-            <a:ext cx="4982634" cy="2009334"/>
+            <a:off x="2096216" y="1496291"/>
+            <a:ext cx="3550502" cy="1431802"/>
+          </a:xfrm>
+          <a:prstGeom prst="rect">
+            <a:avLst/>
+          </a:prstGeom>
+        </p:spPr>
+      </p:pic>
+      <p:pic>
+        <p:nvPicPr>
+          <p:cNvPr id="2" name="图片 1">
+            <a:extLst>
+              <a:ext uri="{FF2B5EF4-FFF2-40B4-BE49-F238E27FC236}">
+                <a16:creationId xmlns:a16="http://schemas.microsoft.com/office/drawing/2014/main" id="{782F39F4-E848-46CB-547E-0063D5E83F94}"/>
+              </a:ext>
+            </a:extLst>
+          </p:cNvPr>
+          <p:cNvPicPr>
+            <a:picLocks noChangeAspect="1"/>
+          </p:cNvPicPr>
+          <p:nvPr/>
+        </p:nvPicPr>
+        <p:blipFill rotWithShape="1">
+          <a:blip r:embed="rId3">
+            <a:extLst>
+              <a:ext uri="{28A0092B-C50C-407E-A947-70E740481C1C}">
+                <a14:useLocalDpi xmlns:a14="http://schemas.microsoft.com/office/drawing/2010/main" val="0"/>
+              </a:ext>
+            </a:extLst>
+          </a:blip>
+          <a:srcRect t="97" r="50268" b="50215"/>
+          <a:stretch/>
+        </p:blipFill>
+        <p:spPr>
+          <a:xfrm>
+            <a:off x="5646717" y="1496289"/>
+            <a:ext cx="1765182" cy="1431802"/>
           </a:xfrm>
           <a:prstGeom prst="rect">
             <a:avLst/>
